--- a/notebooks/nb180829/MC504-2018s2-T10(v2)-Segmentation.pptx
+++ b/notebooks/nb180829/MC504-2018s2-T10(v2)-Segmentation.pptx
@@ -8250,13 +8250,21 @@
         <p:spPr/>
         <p:txBody>
           <a:bodyPr anchor="ctr">
-            <a:normAutofit fontScale="77500" lnSpcReduction="20000"/>
+            <a:normAutofit fontScale="85000" lnSpcReduction="10000"/>
           </a:bodyPr>
           <a:lstStyle/>
           <a:p>
             <a:r>
               <a:rPr lang="en-US" dirty="0"/>
-              <a:t>Ch.16 of Operating Systems: Three Easy Pieces by </a:t>
+              <a:t>Ch.16 of </a:t>
+            </a:r>
+            <a:r>
+              <a:rPr lang="en-US" i="1" dirty="0"/>
+              <a:t>Operating Systems: Three Easy Pieces </a:t>
+            </a:r>
+            <a:r>
+              <a:rPr lang="en-US" dirty="0"/>
+              <a:t>by </a:t>
             </a:r>
             <a:r>
               <a:rPr lang="en-US" dirty="0" err="1"/>
@@ -15775,8 +15783,8 @@
           </a:p>
         </p:txBody>
       </p:sp>
-      <mc:AlternateContent xmlns:mc="http://schemas.openxmlformats.org/markup-compatibility/2006">
-        <mc:Choice xmlns:a14="http://schemas.microsoft.com/office/drawing/2010/main" Requires="a14">
+      <mc:AlternateContent xmlns:mc="http://schemas.openxmlformats.org/markup-compatibility/2006" xmlns:a14="http://schemas.microsoft.com/office/drawing/2010/main">
+        <mc:Choice Requires="a14">
           <p:sp>
             <p:nvSpPr>
               <p:cNvPr id="3" name="내용 개체 틀 2"/>
@@ -15882,7 +15890,7 @@
             </p:txBody>
           </p:sp>
         </mc:Choice>
-        <mc:Fallback>
+        <mc:Fallback xmlns="">
           <p:sp>
             <p:nvSpPr>
               <p:cNvPr id="3" name="내용 개체 틀 2"/>
@@ -17102,8 +17110,8 @@
           </a:fontRef>
         </p:style>
       </p:cxnSp>
-      <mc:AlternateContent xmlns:mc="http://schemas.openxmlformats.org/markup-compatibility/2006">
-        <mc:Choice xmlns:a14="http://schemas.microsoft.com/office/drawing/2010/main" Requires="a14">
+      <mc:AlternateContent xmlns:mc="http://schemas.openxmlformats.org/markup-compatibility/2006" xmlns:a14="http://schemas.microsoft.com/office/drawing/2010/main">
+        <mc:Choice Requires="a14">
           <p:sp>
             <p:nvSpPr>
               <p:cNvPr id="134" name="모서리가 둥근 직사각형 133"/>
@@ -17286,7 +17294,7 @@
             </p:txBody>
           </p:sp>
         </mc:Choice>
-        <mc:Fallback>
+        <mc:Fallback xmlns="">
           <p:sp>
             <p:nvSpPr>
               <p:cNvPr id="134" name="모서리가 둥근 직사각형 133"/>
@@ -18874,8 +18882,8 @@
           </a:p>
         </p:txBody>
       </p:sp>
-      <mc:AlternateContent xmlns:mc="http://schemas.openxmlformats.org/markup-compatibility/2006">
-        <mc:Choice xmlns:a14="http://schemas.microsoft.com/office/drawing/2010/main" Requires="a14">
+      <mc:AlternateContent xmlns:mc="http://schemas.openxmlformats.org/markup-compatibility/2006" xmlns:a14="http://schemas.microsoft.com/office/drawing/2010/main">
+        <mc:Choice Requires="a14">
           <p:sp>
             <p:nvSpPr>
               <p:cNvPr id="3" name="내용 개체 틀 2"/>
@@ -18976,7 +18984,7 @@
             </p:txBody>
           </p:sp>
         </mc:Choice>
-        <mc:Fallback>
+        <mc:Fallback xmlns="">
           <p:sp>
             <p:nvSpPr>
               <p:cNvPr id="3" name="내용 개체 틀 2"/>
@@ -19698,8 +19706,8 @@
           </a:fontRef>
         </p:style>
       </p:cxnSp>
-      <mc:AlternateContent xmlns:mc="http://schemas.openxmlformats.org/markup-compatibility/2006">
-        <mc:Choice xmlns:a14="http://schemas.microsoft.com/office/drawing/2010/main" Requires="a14">
+      <mc:AlternateContent xmlns:mc="http://schemas.openxmlformats.org/markup-compatibility/2006" xmlns:a14="http://schemas.microsoft.com/office/drawing/2010/main">
+        <mc:Choice Requires="a14">
           <p:sp>
             <p:nvSpPr>
               <p:cNvPr id="126" name="모서리가 둥근 직사각형 125"/>
@@ -19871,7 +19879,7 @@
             </p:txBody>
           </p:sp>
         </mc:Choice>
-        <mc:Fallback>
+        <mc:Fallback xmlns="">
           <p:sp>
             <p:nvSpPr>
               <p:cNvPr id="126" name="모서리가 둥근 직사각형 125"/>
@@ -24463,13 +24471,13 @@
   <p:clrMapOvr>
     <a:masterClrMapping/>
   </p:clrMapOvr>
-  <mc:AlternateContent xmlns:mc="http://schemas.openxmlformats.org/markup-compatibility/2006">
-    <mc:Choice xmlns:p14="http://schemas.microsoft.com/office/powerpoint/2010/main" Requires="p14">
+  <mc:AlternateContent xmlns:mc="http://schemas.openxmlformats.org/markup-compatibility/2006" xmlns:p14="http://schemas.microsoft.com/office/powerpoint/2010/main">
+    <mc:Choice Requires="p14">
       <p:transition spd="med" p14:dur="700">
         <p:fade/>
       </p:transition>
     </mc:Choice>
-    <mc:Fallback>
+    <mc:Fallback xmlns="">
       <p:transition spd="med">
         <p:fade/>
       </p:transition>
@@ -24547,8 +24555,8 @@
           </a:p>
         </p:txBody>
       </p:sp>
-      <mc:AlternateContent xmlns:mc="http://schemas.openxmlformats.org/markup-compatibility/2006">
-        <mc:Choice xmlns:a14="http://schemas.microsoft.com/office/drawing/2010/main" Requires="a14">
+      <mc:AlternateContent xmlns:mc="http://schemas.openxmlformats.org/markup-compatibility/2006" xmlns:a14="http://schemas.microsoft.com/office/drawing/2010/main">
+        <mc:Choice Requires="a14">
           <p:sp>
             <p:nvSpPr>
               <p:cNvPr id="128" name="내용 개체 틀 127"/>
@@ -24781,7 +24789,7 @@
             </p:txBody>
           </p:sp>
         </mc:Choice>
-        <mc:Fallback>
+        <mc:Fallback xmlns="">
           <p:sp>
             <p:nvSpPr>
               <p:cNvPr id="128" name="내용 개체 틀 127"/>
@@ -27099,13 +27107,13 @@
   <p:clrMapOvr>
     <a:masterClrMapping/>
   </p:clrMapOvr>
-  <mc:AlternateContent xmlns:mc="http://schemas.openxmlformats.org/markup-compatibility/2006">
-    <mc:Choice xmlns:p14="http://schemas.microsoft.com/office/powerpoint/2010/main" Requires="p14">
+  <mc:AlternateContent xmlns:mc="http://schemas.openxmlformats.org/markup-compatibility/2006" xmlns:p14="http://schemas.microsoft.com/office/powerpoint/2010/main">
+    <mc:Choice Requires="p14">
       <p:transition spd="med" p14:dur="700">
         <p:fade/>
       </p:transition>
     </mc:Choice>
-    <mc:Fallback>
+    <mc:Fallback xmlns="">
       <p:transition spd="med">
         <p:fade/>
       </p:transition>
@@ -27269,13 +27277,13 @@
   <p:clrMapOvr>
     <a:masterClrMapping/>
   </p:clrMapOvr>
-  <mc:AlternateContent xmlns:mc="http://schemas.openxmlformats.org/markup-compatibility/2006">
-    <mc:Choice xmlns:p14="http://schemas.microsoft.com/office/powerpoint/2010/main" Requires="p14">
+  <mc:AlternateContent xmlns:mc="http://schemas.openxmlformats.org/markup-compatibility/2006" xmlns:p14="http://schemas.microsoft.com/office/powerpoint/2010/main">
+    <mc:Choice Requires="p14">
       <p:transition spd="med" p14:dur="700">
         <p:fade/>
       </p:transition>
     </mc:Choice>
-    <mc:Fallback>
+    <mc:Fallback xmlns="">
       <p:transition spd="med">
         <p:fade/>
       </p:transition>
@@ -28457,13 +28465,13 @@
   <p:clrMapOvr>
     <a:masterClrMapping/>
   </p:clrMapOvr>
-  <mc:AlternateContent xmlns:mc="http://schemas.openxmlformats.org/markup-compatibility/2006">
-    <mc:Choice xmlns:p14="http://schemas.microsoft.com/office/powerpoint/2010/main" Requires="p14">
+  <mc:AlternateContent xmlns:mc="http://schemas.openxmlformats.org/markup-compatibility/2006" xmlns:p14="http://schemas.microsoft.com/office/powerpoint/2010/main">
+    <mc:Choice Requires="p14">
       <p:transition spd="med" p14:dur="700">
         <p:fade/>
       </p:transition>
     </mc:Choice>
-    <mc:Fallback>
+    <mc:Fallback xmlns="">
       <p:transition spd="med">
         <p:fade/>
       </p:transition>
@@ -28541,8 +28549,8 @@
           </a:p>
         </p:txBody>
       </p:sp>
-      <mc:AlternateContent xmlns:mc="http://schemas.openxmlformats.org/markup-compatibility/2006">
-        <mc:Choice xmlns:a14="http://schemas.microsoft.com/office/drawing/2010/main" Requires="a14">
+      <mc:AlternateContent xmlns:mc="http://schemas.openxmlformats.org/markup-compatibility/2006" xmlns:a14="http://schemas.microsoft.com/office/drawing/2010/main">
+        <mc:Choice Requires="a14">
           <p:sp>
             <p:nvSpPr>
               <p:cNvPr id="128" name="내용 개체 틀 127"/>
@@ -28810,7 +28818,7 @@
             </p:txBody>
           </p:sp>
         </mc:Choice>
-        <mc:Fallback>
+        <mc:Fallback xmlns="">
           <p:sp>
             <p:nvSpPr>
               <p:cNvPr id="128" name="내용 개체 틀 127"/>
@@ -35399,13 +35407,13 @@
   <p:clrMapOvr>
     <a:masterClrMapping/>
   </p:clrMapOvr>
-  <mc:AlternateContent xmlns:mc="http://schemas.openxmlformats.org/markup-compatibility/2006">
-    <mc:Choice xmlns:p14="http://schemas.microsoft.com/office/powerpoint/2010/main" Requires="p14">
+  <mc:AlternateContent xmlns:mc="http://schemas.openxmlformats.org/markup-compatibility/2006" xmlns:p14="http://schemas.microsoft.com/office/powerpoint/2010/main">
+    <mc:Choice Requires="p14">
       <p:transition spd="med" p14:dur="700">
         <p:fade/>
       </p:transition>
     </mc:Choice>
-    <mc:Fallback>
+    <mc:Fallback xmlns="">
       <p:transition spd="med">
         <p:fade/>
       </p:transition>
@@ -35483,8 +35491,8 @@
           </a:p>
         </p:txBody>
       </p:sp>
-      <mc:AlternateContent xmlns:mc="http://schemas.openxmlformats.org/markup-compatibility/2006">
-        <mc:Choice xmlns:a14="http://schemas.microsoft.com/office/drawing/2010/main" Requires="a14">
+      <mc:AlternateContent xmlns:mc="http://schemas.openxmlformats.org/markup-compatibility/2006" xmlns:a14="http://schemas.microsoft.com/office/drawing/2010/main">
+        <mc:Choice Requires="a14">
           <p:sp>
             <p:nvSpPr>
               <p:cNvPr id="128" name="내용 개체 틀 127"/>
@@ -35825,7 +35833,7 @@
             </p:txBody>
           </p:sp>
         </mc:Choice>
-        <mc:Fallback>
+        <mc:Fallback xmlns="">
           <p:sp>
             <p:nvSpPr>
               <p:cNvPr id="128" name="내용 개체 틀 127"/>
@@ -38322,13 +38330,13 @@
   <p:clrMapOvr>
     <a:masterClrMapping/>
   </p:clrMapOvr>
-  <mc:AlternateContent xmlns:mc="http://schemas.openxmlformats.org/markup-compatibility/2006">
-    <mc:Choice xmlns:p14="http://schemas.microsoft.com/office/powerpoint/2010/main" Requires="p14">
+  <mc:AlternateContent xmlns:mc="http://schemas.openxmlformats.org/markup-compatibility/2006" xmlns:p14="http://schemas.microsoft.com/office/powerpoint/2010/main">
+    <mc:Choice Requires="p14">
       <p:transition spd="med" p14:dur="700">
         <p:fade/>
       </p:transition>
     </mc:Choice>
-    <mc:Fallback>
+    <mc:Fallback xmlns="">
       <p:transition spd="med">
         <p:fade/>
       </p:transition>
@@ -39225,13 +39233,13 @@
   <p:clrMapOvr>
     <a:masterClrMapping/>
   </p:clrMapOvr>
-  <mc:AlternateContent xmlns:mc="http://schemas.openxmlformats.org/markup-compatibility/2006">
-    <mc:Choice xmlns:p14="http://schemas.microsoft.com/office/powerpoint/2010/main" Requires="p14">
+  <mc:AlternateContent xmlns:mc="http://schemas.openxmlformats.org/markup-compatibility/2006" xmlns:p14="http://schemas.microsoft.com/office/powerpoint/2010/main">
+    <mc:Choice Requires="p14">
       <p:transition spd="med" p14:dur="700">
         <p:fade/>
       </p:transition>
     </mc:Choice>
-    <mc:Fallback>
+    <mc:Fallback xmlns="">
       <p:transition spd="med">
         <p:fade/>
       </p:transition>
